--- a/final_project/environment_files/Managing_environment_Jupyter.pptx
+++ b/final_project/environment_files/Managing_environment_Jupyter.pptx
@@ -9,6 +9,7 @@
     <p:sldId id="257" r:id="rId3"/>
     <p:sldId id="258" r:id="rId4"/>
     <p:sldId id="259" r:id="rId5"/>
+    <p:sldId id="260" r:id="rId6"/>
   </p:sldIdLst>
   <p:sldSz cx="12192000" cy="6858000"/>
   <p:notesSz cx="6858000" cy="9144000"/>
@@ -107,6 +108,11 @@
       </a:defRPr>
     </a:lvl9pPr>
   </p:defaultTextStyle>
+  <p:extLst>
+    <p:ext uri="{EFAFB233-063F-42B5-8137-9DF3F51BA10A}">
+      <p15:sldGuideLst xmlns:p15="http://schemas.microsoft.com/office/powerpoint/2012/main"/>
+    </p:ext>
+  </p:extLst>
 </p:presentation>
 </file>
 
@@ -152,10 +158,9 @@
           </a:lstStyle>
           <a:p>
             <a:r>
-              <a:rPr lang="en-US" smtClean="0"/>
+              <a:rPr lang="en-US"/>
               <a:t>Click to edit Master title style</a:t>
             </a:r>
-            <a:endParaRPr lang="en-US"/>
           </a:p>
         </p:txBody>
       </p:sp>
@@ -217,10 +222,9 @@
           </a:lstStyle>
           <a:p>
             <a:r>
-              <a:rPr lang="en-US" smtClean="0"/>
+              <a:rPr lang="en-US"/>
               <a:t>Click to edit Master subtitle style</a:t>
             </a:r>
-            <a:endParaRPr lang="en-US"/>
           </a:p>
         </p:txBody>
       </p:sp>
@@ -241,7 +245,7 @@
           <a:p>
             <a:fld id="{6C133A23-8A69-496B-9CAA-BED7F0ECCF60}" type="datetimeFigureOut">
               <a:rPr lang="en-US" smtClean="0"/>
-              <a:t>3/18/2020</a:t>
+              <a:t>6/26/2020</a:t>
             </a:fld>
             <a:endParaRPr lang="en-US"/>
           </a:p>
@@ -335,10 +339,9 @@
           <a:lstStyle/>
           <a:p>
             <a:r>
-              <a:rPr lang="en-US" smtClean="0"/>
+              <a:rPr lang="en-US"/>
               <a:t>Click to edit Master title style</a:t>
             </a:r>
-            <a:endParaRPr lang="en-US"/>
           </a:p>
         </p:txBody>
       </p:sp>
@@ -359,38 +362,37 @@
           <a:p>
             <a:pPr lvl="0"/>
             <a:r>
-              <a:rPr lang="en-US" smtClean="0"/>
+              <a:rPr lang="en-US"/>
               <a:t>Click to edit Master text styles</a:t>
             </a:r>
           </a:p>
           <a:p>
             <a:pPr lvl="1"/>
             <a:r>
-              <a:rPr lang="en-US" smtClean="0"/>
+              <a:rPr lang="en-US"/>
               <a:t>Second level</a:t>
             </a:r>
           </a:p>
           <a:p>
             <a:pPr lvl="2"/>
             <a:r>
-              <a:rPr lang="en-US" smtClean="0"/>
+              <a:rPr lang="en-US"/>
               <a:t>Third level</a:t>
             </a:r>
           </a:p>
           <a:p>
             <a:pPr lvl="3"/>
             <a:r>
-              <a:rPr lang="en-US" smtClean="0"/>
+              <a:rPr lang="en-US"/>
               <a:t>Fourth level</a:t>
             </a:r>
           </a:p>
           <a:p>
             <a:pPr lvl="4"/>
             <a:r>
-              <a:rPr lang="en-US" smtClean="0"/>
+              <a:rPr lang="en-US"/>
               <a:t>Fifth level</a:t>
             </a:r>
-            <a:endParaRPr lang="en-US"/>
           </a:p>
         </p:txBody>
       </p:sp>
@@ -411,7 +413,7 @@
           <a:p>
             <a:fld id="{6C133A23-8A69-496B-9CAA-BED7F0ECCF60}" type="datetimeFigureOut">
               <a:rPr lang="en-US" smtClean="0"/>
-              <a:t>3/18/2020</a:t>
+              <a:t>6/26/2020</a:t>
             </a:fld>
             <a:endParaRPr lang="en-US"/>
           </a:p>
@@ -510,10 +512,9 @@
           <a:lstStyle/>
           <a:p>
             <a:r>
-              <a:rPr lang="en-US" smtClean="0"/>
+              <a:rPr lang="en-US"/>
               <a:t>Click to edit Master title style</a:t>
             </a:r>
-            <a:endParaRPr lang="en-US"/>
           </a:p>
         </p:txBody>
       </p:sp>
@@ -539,38 +540,37 @@
           <a:p>
             <a:pPr lvl="0"/>
             <a:r>
-              <a:rPr lang="en-US" smtClean="0"/>
+              <a:rPr lang="en-US"/>
               <a:t>Click to edit Master text styles</a:t>
             </a:r>
           </a:p>
           <a:p>
             <a:pPr lvl="1"/>
             <a:r>
-              <a:rPr lang="en-US" smtClean="0"/>
+              <a:rPr lang="en-US"/>
               <a:t>Second level</a:t>
             </a:r>
           </a:p>
           <a:p>
             <a:pPr lvl="2"/>
             <a:r>
-              <a:rPr lang="en-US" smtClean="0"/>
+              <a:rPr lang="en-US"/>
               <a:t>Third level</a:t>
             </a:r>
           </a:p>
           <a:p>
             <a:pPr lvl="3"/>
             <a:r>
-              <a:rPr lang="en-US" smtClean="0"/>
+              <a:rPr lang="en-US"/>
               <a:t>Fourth level</a:t>
             </a:r>
           </a:p>
           <a:p>
             <a:pPr lvl="4"/>
             <a:r>
-              <a:rPr lang="en-US" smtClean="0"/>
+              <a:rPr lang="en-US"/>
               <a:t>Fifth level</a:t>
             </a:r>
-            <a:endParaRPr lang="en-US"/>
           </a:p>
         </p:txBody>
       </p:sp>
@@ -591,7 +591,7 @@
           <a:p>
             <a:fld id="{6C133A23-8A69-496B-9CAA-BED7F0ECCF60}" type="datetimeFigureOut">
               <a:rPr lang="en-US" smtClean="0"/>
-              <a:t>3/18/2020</a:t>
+              <a:t>6/26/2020</a:t>
             </a:fld>
             <a:endParaRPr lang="en-US"/>
           </a:p>
@@ -685,10 +685,9 @@
           <a:lstStyle/>
           <a:p>
             <a:r>
-              <a:rPr lang="en-US" smtClean="0"/>
+              <a:rPr lang="en-US"/>
               <a:t>Click to edit Master title style</a:t>
             </a:r>
-            <a:endParaRPr lang="en-US"/>
           </a:p>
         </p:txBody>
       </p:sp>
@@ -709,38 +708,37 @@
           <a:p>
             <a:pPr lvl="0"/>
             <a:r>
-              <a:rPr lang="en-US" smtClean="0"/>
+              <a:rPr lang="en-US"/>
               <a:t>Click to edit Master text styles</a:t>
             </a:r>
           </a:p>
           <a:p>
             <a:pPr lvl="1"/>
             <a:r>
-              <a:rPr lang="en-US" smtClean="0"/>
+              <a:rPr lang="en-US"/>
               <a:t>Second level</a:t>
             </a:r>
           </a:p>
           <a:p>
             <a:pPr lvl="2"/>
             <a:r>
-              <a:rPr lang="en-US" smtClean="0"/>
+              <a:rPr lang="en-US"/>
               <a:t>Third level</a:t>
             </a:r>
           </a:p>
           <a:p>
             <a:pPr lvl="3"/>
             <a:r>
-              <a:rPr lang="en-US" smtClean="0"/>
+              <a:rPr lang="en-US"/>
               <a:t>Fourth level</a:t>
             </a:r>
           </a:p>
           <a:p>
             <a:pPr lvl="4"/>
             <a:r>
-              <a:rPr lang="en-US" smtClean="0"/>
+              <a:rPr lang="en-US"/>
               <a:t>Fifth level</a:t>
             </a:r>
-            <a:endParaRPr lang="en-US"/>
           </a:p>
         </p:txBody>
       </p:sp>
@@ -761,7 +759,7 @@
           <a:p>
             <a:fld id="{6C133A23-8A69-496B-9CAA-BED7F0ECCF60}" type="datetimeFigureOut">
               <a:rPr lang="en-US" smtClean="0"/>
-              <a:t>3/18/2020</a:t>
+              <a:t>6/26/2020</a:t>
             </a:fld>
             <a:endParaRPr lang="en-US"/>
           </a:p>
@@ -864,10 +862,9 @@
           </a:lstStyle>
           <a:p>
             <a:r>
-              <a:rPr lang="en-US" smtClean="0"/>
+              <a:rPr lang="en-US"/>
               <a:t>Click to edit Master title style</a:t>
             </a:r>
-            <a:endParaRPr lang="en-US"/>
           </a:p>
         </p:txBody>
       </p:sp>
@@ -984,7 +981,7 @@
           <a:p>
             <a:pPr lvl="0"/>
             <a:r>
-              <a:rPr lang="en-US" smtClean="0"/>
+              <a:rPr lang="en-US"/>
               <a:t>Click to edit Master text styles</a:t>
             </a:r>
           </a:p>
@@ -1007,7 +1004,7 @@
           <a:p>
             <a:fld id="{6C133A23-8A69-496B-9CAA-BED7F0ECCF60}" type="datetimeFigureOut">
               <a:rPr lang="en-US" smtClean="0"/>
-              <a:t>3/18/2020</a:t>
+              <a:t>6/26/2020</a:t>
             </a:fld>
             <a:endParaRPr lang="en-US"/>
           </a:p>
@@ -1101,10 +1098,9 @@
           <a:lstStyle/>
           <a:p>
             <a:r>
-              <a:rPr lang="en-US" smtClean="0"/>
+              <a:rPr lang="en-US"/>
               <a:t>Click to edit Master title style</a:t>
             </a:r>
-            <a:endParaRPr lang="en-US"/>
           </a:p>
         </p:txBody>
       </p:sp>
@@ -1130,38 +1126,37 @@
           <a:p>
             <a:pPr lvl="0"/>
             <a:r>
-              <a:rPr lang="en-US" smtClean="0"/>
+              <a:rPr lang="en-US"/>
               <a:t>Click to edit Master text styles</a:t>
             </a:r>
           </a:p>
           <a:p>
             <a:pPr lvl="1"/>
             <a:r>
-              <a:rPr lang="en-US" smtClean="0"/>
+              <a:rPr lang="en-US"/>
               <a:t>Second level</a:t>
             </a:r>
           </a:p>
           <a:p>
             <a:pPr lvl="2"/>
             <a:r>
-              <a:rPr lang="en-US" smtClean="0"/>
+              <a:rPr lang="en-US"/>
               <a:t>Third level</a:t>
             </a:r>
           </a:p>
           <a:p>
             <a:pPr lvl="3"/>
             <a:r>
-              <a:rPr lang="en-US" smtClean="0"/>
+              <a:rPr lang="en-US"/>
               <a:t>Fourth level</a:t>
             </a:r>
           </a:p>
           <a:p>
             <a:pPr lvl="4"/>
             <a:r>
-              <a:rPr lang="en-US" smtClean="0"/>
+              <a:rPr lang="en-US"/>
               <a:t>Fifth level</a:t>
             </a:r>
-            <a:endParaRPr lang="en-US"/>
           </a:p>
         </p:txBody>
       </p:sp>
@@ -1187,38 +1182,37 @@
           <a:p>
             <a:pPr lvl="0"/>
             <a:r>
-              <a:rPr lang="en-US" smtClean="0"/>
+              <a:rPr lang="en-US"/>
               <a:t>Click to edit Master text styles</a:t>
             </a:r>
           </a:p>
           <a:p>
             <a:pPr lvl="1"/>
             <a:r>
-              <a:rPr lang="en-US" smtClean="0"/>
+              <a:rPr lang="en-US"/>
               <a:t>Second level</a:t>
             </a:r>
           </a:p>
           <a:p>
             <a:pPr lvl="2"/>
             <a:r>
-              <a:rPr lang="en-US" smtClean="0"/>
+              <a:rPr lang="en-US"/>
               <a:t>Third level</a:t>
             </a:r>
           </a:p>
           <a:p>
             <a:pPr lvl="3"/>
             <a:r>
-              <a:rPr lang="en-US" smtClean="0"/>
+              <a:rPr lang="en-US"/>
               <a:t>Fourth level</a:t>
             </a:r>
           </a:p>
           <a:p>
             <a:pPr lvl="4"/>
             <a:r>
-              <a:rPr lang="en-US" smtClean="0"/>
+              <a:rPr lang="en-US"/>
               <a:t>Fifth level</a:t>
             </a:r>
-            <a:endParaRPr lang="en-US"/>
           </a:p>
         </p:txBody>
       </p:sp>
@@ -1239,7 +1233,7 @@
           <a:p>
             <a:fld id="{6C133A23-8A69-496B-9CAA-BED7F0ECCF60}" type="datetimeFigureOut">
               <a:rPr lang="en-US" smtClean="0"/>
-              <a:t>3/18/2020</a:t>
+              <a:t>6/26/2020</a:t>
             </a:fld>
             <a:endParaRPr lang="en-US"/>
           </a:p>
@@ -1338,10 +1332,9 @@
           <a:lstStyle/>
           <a:p>
             <a:r>
-              <a:rPr lang="en-US" smtClean="0"/>
+              <a:rPr lang="en-US"/>
               <a:t>Click to edit Master title style</a:t>
             </a:r>
-            <a:endParaRPr lang="en-US"/>
           </a:p>
         </p:txBody>
       </p:sp>
@@ -1404,7 +1397,7 @@
           <a:p>
             <a:pPr lvl="0"/>
             <a:r>
-              <a:rPr lang="en-US" smtClean="0"/>
+              <a:rPr lang="en-US"/>
               <a:t>Click to edit Master text styles</a:t>
             </a:r>
           </a:p>
@@ -1432,38 +1425,37 @@
           <a:p>
             <a:pPr lvl="0"/>
             <a:r>
-              <a:rPr lang="en-US" smtClean="0"/>
+              <a:rPr lang="en-US"/>
               <a:t>Click to edit Master text styles</a:t>
             </a:r>
           </a:p>
           <a:p>
             <a:pPr lvl="1"/>
             <a:r>
-              <a:rPr lang="en-US" smtClean="0"/>
+              <a:rPr lang="en-US"/>
               <a:t>Second level</a:t>
             </a:r>
           </a:p>
           <a:p>
             <a:pPr lvl="2"/>
             <a:r>
-              <a:rPr lang="en-US" smtClean="0"/>
+              <a:rPr lang="en-US"/>
               <a:t>Third level</a:t>
             </a:r>
           </a:p>
           <a:p>
             <a:pPr lvl="3"/>
             <a:r>
-              <a:rPr lang="en-US" smtClean="0"/>
+              <a:rPr lang="en-US"/>
               <a:t>Fourth level</a:t>
             </a:r>
           </a:p>
           <a:p>
             <a:pPr lvl="4"/>
             <a:r>
-              <a:rPr lang="en-US" smtClean="0"/>
+              <a:rPr lang="en-US"/>
               <a:t>Fifth level</a:t>
             </a:r>
-            <a:endParaRPr lang="en-US"/>
           </a:p>
         </p:txBody>
       </p:sp>
@@ -1526,7 +1518,7 @@
           <a:p>
             <a:pPr lvl="0"/>
             <a:r>
-              <a:rPr lang="en-US" smtClean="0"/>
+              <a:rPr lang="en-US"/>
               <a:t>Click to edit Master text styles</a:t>
             </a:r>
           </a:p>
@@ -1554,38 +1546,37 @@
           <a:p>
             <a:pPr lvl="0"/>
             <a:r>
-              <a:rPr lang="en-US" smtClean="0"/>
+              <a:rPr lang="en-US"/>
               <a:t>Click to edit Master text styles</a:t>
             </a:r>
           </a:p>
           <a:p>
             <a:pPr lvl="1"/>
             <a:r>
-              <a:rPr lang="en-US" smtClean="0"/>
+              <a:rPr lang="en-US"/>
               <a:t>Second level</a:t>
             </a:r>
           </a:p>
           <a:p>
             <a:pPr lvl="2"/>
             <a:r>
-              <a:rPr lang="en-US" smtClean="0"/>
+              <a:rPr lang="en-US"/>
               <a:t>Third level</a:t>
             </a:r>
           </a:p>
           <a:p>
             <a:pPr lvl="3"/>
             <a:r>
-              <a:rPr lang="en-US" smtClean="0"/>
+              <a:rPr lang="en-US"/>
               <a:t>Fourth level</a:t>
             </a:r>
           </a:p>
           <a:p>
             <a:pPr lvl="4"/>
             <a:r>
-              <a:rPr lang="en-US" smtClean="0"/>
+              <a:rPr lang="en-US"/>
               <a:t>Fifth level</a:t>
             </a:r>
-            <a:endParaRPr lang="en-US"/>
           </a:p>
         </p:txBody>
       </p:sp>
@@ -1606,7 +1597,7 @@
           <a:p>
             <a:fld id="{6C133A23-8A69-496B-9CAA-BED7F0ECCF60}" type="datetimeFigureOut">
               <a:rPr lang="en-US" smtClean="0"/>
-              <a:t>3/18/2020</a:t>
+              <a:t>6/26/2020</a:t>
             </a:fld>
             <a:endParaRPr lang="en-US"/>
           </a:p>
@@ -1700,10 +1691,9 @@
           <a:lstStyle/>
           <a:p>
             <a:r>
-              <a:rPr lang="en-US" smtClean="0"/>
+              <a:rPr lang="en-US"/>
               <a:t>Click to edit Master title style</a:t>
             </a:r>
-            <a:endParaRPr lang="en-US"/>
           </a:p>
         </p:txBody>
       </p:sp>
@@ -1724,7 +1714,7 @@
           <a:p>
             <a:fld id="{6C133A23-8A69-496B-9CAA-BED7F0ECCF60}" type="datetimeFigureOut">
               <a:rPr lang="en-US" smtClean="0"/>
-              <a:t>3/18/2020</a:t>
+              <a:t>6/26/2020</a:t>
             </a:fld>
             <a:endParaRPr lang="en-US"/>
           </a:p>
@@ -1819,7 +1809,7 @@
           <a:p>
             <a:fld id="{6C133A23-8A69-496B-9CAA-BED7F0ECCF60}" type="datetimeFigureOut">
               <a:rPr lang="en-US" smtClean="0"/>
-              <a:t>3/18/2020</a:t>
+              <a:t>6/26/2020</a:t>
             </a:fld>
             <a:endParaRPr lang="en-US"/>
           </a:p>
@@ -1922,10 +1912,9 @@
           </a:lstStyle>
           <a:p>
             <a:r>
-              <a:rPr lang="en-US" smtClean="0"/>
+              <a:rPr lang="en-US"/>
               <a:t>Click to edit Master title style</a:t>
             </a:r>
-            <a:endParaRPr lang="en-US"/>
           </a:p>
         </p:txBody>
       </p:sp>
@@ -1979,38 +1968,37 @@
           <a:p>
             <a:pPr lvl="0"/>
             <a:r>
-              <a:rPr lang="en-US" smtClean="0"/>
+              <a:rPr lang="en-US"/>
               <a:t>Click to edit Master text styles</a:t>
             </a:r>
           </a:p>
           <a:p>
             <a:pPr lvl="1"/>
             <a:r>
-              <a:rPr lang="en-US" smtClean="0"/>
+              <a:rPr lang="en-US"/>
               <a:t>Second level</a:t>
             </a:r>
           </a:p>
           <a:p>
             <a:pPr lvl="2"/>
             <a:r>
-              <a:rPr lang="en-US" smtClean="0"/>
+              <a:rPr lang="en-US"/>
               <a:t>Third level</a:t>
             </a:r>
           </a:p>
           <a:p>
             <a:pPr lvl="3"/>
             <a:r>
-              <a:rPr lang="en-US" smtClean="0"/>
+              <a:rPr lang="en-US"/>
               <a:t>Fourth level</a:t>
             </a:r>
           </a:p>
           <a:p>
             <a:pPr lvl="4"/>
             <a:r>
-              <a:rPr lang="en-US" smtClean="0"/>
+              <a:rPr lang="en-US"/>
               <a:t>Fifth level</a:t>
             </a:r>
-            <a:endParaRPr lang="en-US"/>
           </a:p>
         </p:txBody>
       </p:sp>
@@ -2073,7 +2061,7 @@
           <a:p>
             <a:pPr lvl="0"/>
             <a:r>
-              <a:rPr lang="en-US" smtClean="0"/>
+              <a:rPr lang="en-US"/>
               <a:t>Click to edit Master text styles</a:t>
             </a:r>
           </a:p>
@@ -2096,7 +2084,7 @@
           <a:p>
             <a:fld id="{6C133A23-8A69-496B-9CAA-BED7F0ECCF60}" type="datetimeFigureOut">
               <a:rPr lang="en-US" smtClean="0"/>
-              <a:t>3/18/2020</a:t>
+              <a:t>6/26/2020</a:t>
             </a:fld>
             <a:endParaRPr lang="en-US"/>
           </a:p>
@@ -2199,10 +2187,9 @@
           </a:lstStyle>
           <a:p>
             <a:r>
-              <a:rPr lang="en-US" smtClean="0"/>
+              <a:rPr lang="en-US"/>
               <a:t>Click to edit Master title style</a:t>
             </a:r>
-            <a:endParaRPr lang="en-US"/>
           </a:p>
         </p:txBody>
       </p:sp>
@@ -2326,7 +2313,7 @@
           <a:p>
             <a:pPr lvl="0"/>
             <a:r>
-              <a:rPr lang="en-US" smtClean="0"/>
+              <a:rPr lang="en-US"/>
               <a:t>Click to edit Master text styles</a:t>
             </a:r>
           </a:p>
@@ -2349,7 +2336,7 @@
           <a:p>
             <a:fld id="{6C133A23-8A69-496B-9CAA-BED7F0ECCF60}" type="datetimeFigureOut">
               <a:rPr lang="en-US" smtClean="0"/>
-              <a:t>3/18/2020</a:t>
+              <a:t>6/26/2020</a:t>
             </a:fld>
             <a:endParaRPr lang="en-US"/>
           </a:p>
@@ -2458,10 +2445,9 @@
           <a:lstStyle/>
           <a:p>
             <a:r>
-              <a:rPr lang="en-US" smtClean="0"/>
+              <a:rPr lang="en-US"/>
               <a:t>Click to edit Master title style</a:t>
             </a:r>
-            <a:endParaRPr lang="en-US"/>
           </a:p>
         </p:txBody>
       </p:sp>
@@ -2492,38 +2478,37 @@
           <a:p>
             <a:pPr lvl="0"/>
             <a:r>
-              <a:rPr lang="en-US" smtClean="0"/>
+              <a:rPr lang="en-US"/>
               <a:t>Click to edit Master text styles</a:t>
             </a:r>
           </a:p>
           <a:p>
             <a:pPr lvl="1"/>
             <a:r>
-              <a:rPr lang="en-US" smtClean="0"/>
+              <a:rPr lang="en-US"/>
               <a:t>Second level</a:t>
             </a:r>
           </a:p>
           <a:p>
             <a:pPr lvl="2"/>
             <a:r>
-              <a:rPr lang="en-US" smtClean="0"/>
+              <a:rPr lang="en-US"/>
               <a:t>Third level</a:t>
             </a:r>
           </a:p>
           <a:p>
             <a:pPr lvl="3"/>
             <a:r>
-              <a:rPr lang="en-US" smtClean="0"/>
+              <a:rPr lang="en-US"/>
               <a:t>Fourth level</a:t>
             </a:r>
           </a:p>
           <a:p>
             <a:pPr lvl="4"/>
             <a:r>
-              <a:rPr lang="en-US" smtClean="0"/>
+              <a:rPr lang="en-US"/>
               <a:t>Fifth level</a:t>
             </a:r>
-            <a:endParaRPr lang="en-US"/>
           </a:p>
         </p:txBody>
       </p:sp>
@@ -2562,7 +2547,7 @@
           <a:p>
             <a:fld id="{6C133A23-8A69-496B-9CAA-BED7F0ECCF60}" type="datetimeFigureOut">
               <a:rPr lang="en-US" smtClean="0"/>
-              <a:t>3/18/2020</a:t>
+              <a:t>6/26/2020</a:t>
             </a:fld>
             <a:endParaRPr lang="en-US"/>
           </a:p>
@@ -3361,7 +3346,7 @@
               <a:tabLst/>
             </a:pPr>
             <a:r>
-              <a:rPr kumimoji="0" lang="en-US" altLang="en-US" sz="1800" b="0" i="0" u="none" strike="noStrike" cap="none" normalizeH="0" baseline="0" dirty="0" err="1" smtClean="0">
+              <a:rPr kumimoji="0" lang="en-US" altLang="en-US" sz="1800" b="0" i="0" u="none" strike="noStrike" cap="none" normalizeH="0" baseline="0" dirty="0" err="1">
                 <a:ln>
                   <a:noFill/>
                 </a:ln>
@@ -3375,7 +3360,7 @@
               <a:t>Conda</a:t>
             </a:r>
             <a:r>
-              <a:rPr kumimoji="0" lang="en-US" altLang="en-US" sz="1800" b="0" i="0" u="none" strike="noStrike" cap="none" normalizeH="0" baseline="0" dirty="0" smtClean="0">
+              <a:rPr kumimoji="0" lang="en-US" altLang="en-US" sz="1800" b="0" i="0" u="none" strike="noStrike" cap="none" normalizeH="0" baseline="0" dirty="0">
                 <a:ln>
                   <a:noFill/>
                 </a:ln>
@@ -3389,7 +3374,7 @@
               <a:t> list revisions or </a:t>
             </a:r>
             <a:r>
-              <a:rPr kumimoji="0" lang="en-US" altLang="en-US" sz="1800" b="0" i="0" u="none" strike="noStrike" cap="none" normalizeH="0" baseline="0" dirty="0" err="1" smtClean="0">
+              <a:rPr kumimoji="0" lang="en-US" altLang="en-US" sz="1800" b="0" i="0" u="none" strike="noStrike" cap="none" normalizeH="0" baseline="0" dirty="0" err="1">
                 <a:ln>
                   <a:noFill/>
                 </a:ln>
@@ -3403,7 +3388,7 @@
               <a:t>conda</a:t>
             </a:r>
             <a:r>
-              <a:rPr kumimoji="0" lang="en-US" altLang="en-US" sz="1800" b="0" i="0" u="none" strike="noStrike" cap="none" normalizeH="0" baseline="0" dirty="0" smtClean="0">
+              <a:rPr kumimoji="0" lang="en-US" altLang="en-US" sz="1800" b="0" i="0" u="none" strike="noStrike" cap="none" normalizeH="0" baseline="0" dirty="0">
                 <a:ln>
                   <a:noFill/>
                 </a:ln>
@@ -3416,7 +3401,7 @@
               </a:rPr>
               <a:t> install revision N</a:t>
             </a:r>
-            <a:endParaRPr kumimoji="0" lang="en-US" altLang="en-US" sz="1800" b="0" i="0" u="none" strike="noStrike" cap="none" normalizeH="0" baseline="0" dirty="0" smtClean="0">
+            <a:endParaRPr kumimoji="0" lang="en-US" altLang="en-US" sz="1800" b="0" i="0" u="none" strike="noStrike" cap="none" normalizeH="0" baseline="0" dirty="0">
               <a:ln>
                 <a:noFill/>
               </a:ln>
@@ -3444,7 +3429,7 @@
               <a:tabLst/>
             </a:pPr>
             <a:r>
-              <a:rPr kumimoji="0" lang="en-US" altLang="en-US" sz="1800" b="0" i="0" u="none" strike="noStrike" cap="none" normalizeH="0" baseline="0" dirty="0" smtClean="0">
+              <a:rPr kumimoji="0" lang="en-US" altLang="en-US" sz="1800" b="0" i="0" u="none" strike="noStrike" cap="none" normalizeH="0" baseline="0" dirty="0">
                 <a:ln>
                   <a:noFill/>
                 </a:ln>
@@ -3458,7 +3443,7 @@
               </a:rPr>
               <a:t>https://sriramjaju.github.io/2018-05-30-2-minute-recipe-how-to-rollback-your-conda-environment/</a:t>
             </a:r>
-            <a:endParaRPr kumimoji="0" lang="en-US" altLang="en-US" sz="1800" b="0" i="0" u="none" strike="noStrike" cap="none" normalizeH="0" baseline="0" dirty="0" smtClean="0">
+            <a:endParaRPr kumimoji="0" lang="en-US" altLang="en-US" sz="1800" b="0" i="0" u="none" strike="noStrike" cap="none" normalizeH="0" baseline="0" dirty="0">
               <a:ln>
                 <a:noFill/>
               </a:ln>
@@ -3486,7 +3471,7 @@
               <a:tabLst/>
             </a:pPr>
             <a:r>
-              <a:rPr kumimoji="0" lang="en-US" altLang="en-US" sz="1800" b="0" i="0" u="none" strike="noStrike" cap="none" normalizeH="0" baseline="0" dirty="0" smtClean="0">
+              <a:rPr kumimoji="0" lang="en-US" altLang="en-US" sz="1800" b="0" i="0" u="none" strike="noStrike" cap="none" normalizeH="0" baseline="0" dirty="0">
                 <a:ln>
                   <a:noFill/>
                 </a:ln>
@@ -3499,7 +3484,7 @@
               </a:rPr>
               <a:t> </a:t>
             </a:r>
-            <a:endParaRPr kumimoji="0" lang="en-US" altLang="en-US" sz="1800" b="0" i="0" u="none" strike="noStrike" cap="none" normalizeH="0" baseline="0" dirty="0" smtClean="0">
+            <a:endParaRPr kumimoji="0" lang="en-US" altLang="en-US" sz="1800" b="0" i="0" u="none" strike="noStrike" cap="none" normalizeH="0" baseline="0" dirty="0">
               <a:ln>
                 <a:noFill/>
               </a:ln>
@@ -3527,7 +3512,7 @@
               <a:tabLst/>
             </a:pPr>
             <a:r>
-              <a:rPr kumimoji="0" lang="en-US" altLang="en-US" sz="1800" b="0" i="0" u="none" strike="noStrike" cap="none" normalizeH="0" baseline="0" dirty="0" smtClean="0">
+              <a:rPr kumimoji="0" lang="en-US" altLang="en-US" sz="1800" b="0" i="0" u="none" strike="noStrike" cap="none" normalizeH="0" baseline="0" dirty="0">
                 <a:ln>
                   <a:noFill/>
                 </a:ln>
@@ -3541,7 +3526,7 @@
               </a:rPr>
               <a:t>https://medium.com/@wilpat456/fix-broken-anaconda-environment-due-to-recent-package-download-9094fb0f3a04</a:t>
             </a:r>
-            <a:endParaRPr kumimoji="0" lang="en-US" altLang="en-US" sz="1800" b="0" i="0" u="none" strike="noStrike" cap="none" normalizeH="0" baseline="0" dirty="0" smtClean="0">
+            <a:endParaRPr kumimoji="0" lang="en-US" altLang="en-US" sz="1800" b="0" i="0" u="none" strike="noStrike" cap="none" normalizeH="0" baseline="0" dirty="0">
               <a:ln>
                 <a:noFill/>
               </a:ln>
@@ -3569,7 +3554,7 @@
               <a:tabLst/>
             </a:pPr>
             <a:r>
-              <a:rPr kumimoji="0" lang="en-US" altLang="en-US" sz="1800" b="0" i="0" u="none" strike="noStrike" cap="none" normalizeH="0" baseline="0" dirty="0" smtClean="0">
+              <a:rPr kumimoji="0" lang="en-US" altLang="en-US" sz="1800" b="0" i="0" u="none" strike="noStrike" cap="none" normalizeH="0" baseline="0" dirty="0">
                 <a:ln>
                   <a:noFill/>
                 </a:ln>
@@ -3582,7 +3567,7 @@
               </a:rPr>
               <a:t> </a:t>
             </a:r>
-            <a:endParaRPr kumimoji="0" lang="en-US" altLang="en-US" sz="1800" b="0" i="0" u="none" strike="noStrike" cap="none" normalizeH="0" baseline="0" dirty="0" smtClean="0">
+            <a:endParaRPr kumimoji="0" lang="en-US" altLang="en-US" sz="1800" b="0" i="0" u="none" strike="noStrike" cap="none" normalizeH="0" baseline="0" dirty="0">
               <a:ln>
                 <a:noFill/>
               </a:ln>
@@ -3610,7 +3595,7 @@
               <a:tabLst/>
             </a:pPr>
             <a:r>
-              <a:rPr kumimoji="0" lang="en-US" altLang="en-US" sz="1800" b="0" i="0" u="none" strike="noStrike" cap="none" normalizeH="0" baseline="0" dirty="0" smtClean="0">
+              <a:rPr kumimoji="0" lang="en-US" altLang="en-US" sz="1800" b="0" i="0" u="none" strike="noStrike" cap="none" normalizeH="0" baseline="0" dirty="0">
                 <a:ln>
                   <a:noFill/>
                 </a:ln>
@@ -3624,7 +3609,7 @@
               </a:rPr>
               <a:t>https://towardsdatascience.com/a-guide-to-conda-environments-bc6180fc533</a:t>
             </a:r>
-            <a:endParaRPr kumimoji="0" lang="en-US" altLang="en-US" sz="1800" b="0" i="0" u="none" strike="noStrike" cap="none" normalizeH="0" baseline="0" dirty="0" smtClean="0">
+            <a:endParaRPr kumimoji="0" lang="en-US" altLang="en-US" sz="1800" b="0" i="0" u="none" strike="noStrike" cap="none" normalizeH="0" baseline="0" dirty="0">
               <a:ln>
                 <a:noFill/>
               </a:ln>
@@ -3652,7 +3637,7 @@
               <a:tabLst/>
             </a:pPr>
             <a:r>
-              <a:rPr kumimoji="0" lang="en-US" altLang="en-US" sz="1800" b="0" i="0" u="none" strike="noStrike" cap="none" normalizeH="0" baseline="0" dirty="0" smtClean="0">
+              <a:rPr kumimoji="0" lang="en-US" altLang="en-US" sz="1800" b="0" i="0" u="none" strike="noStrike" cap="none" normalizeH="0" baseline="0" dirty="0">
                 <a:ln>
                   <a:noFill/>
                 </a:ln>
@@ -3665,7 +3650,7 @@
               </a:rPr>
               <a:t> </a:t>
             </a:r>
-            <a:endParaRPr kumimoji="0" lang="en-US" altLang="en-US" sz="1800" b="0" i="0" u="none" strike="noStrike" cap="none" normalizeH="0" baseline="0" dirty="0" smtClean="0">
+            <a:endParaRPr kumimoji="0" lang="en-US" altLang="en-US" sz="1800" b="0" i="0" u="none" strike="noStrike" cap="none" normalizeH="0" baseline="0" dirty="0">
               <a:ln>
                 <a:noFill/>
               </a:ln>
@@ -3693,7 +3678,7 @@
               <a:tabLst/>
             </a:pPr>
             <a:r>
-              <a:rPr kumimoji="0" lang="en-US" altLang="en-US" sz="1800" b="0" i="0" u="none" strike="noStrike" cap="none" normalizeH="0" baseline="0" dirty="0" smtClean="0">
+              <a:rPr kumimoji="0" lang="en-US" altLang="en-US" sz="1800" b="0" i="0" u="none" strike="noStrike" cap="none" normalizeH="0" baseline="0" dirty="0">
                 <a:ln>
                   <a:noFill/>
                 </a:ln>
@@ -3707,7 +3692,7 @@
               </a:rPr>
               <a:t>http://blog.rtwilson.com/conda-revisions-letting-you-rollback-to-a-previous-version-of-your-environment/</a:t>
             </a:r>
-            <a:endParaRPr kumimoji="0" lang="en-US" altLang="en-US" sz="1800" b="0" i="0" u="none" strike="noStrike" cap="none" normalizeH="0" baseline="0" dirty="0" smtClean="0">
+            <a:endParaRPr kumimoji="0" lang="en-US" altLang="en-US" sz="1800" b="0" i="0" u="none" strike="noStrike" cap="none" normalizeH="0" baseline="0" dirty="0">
               <a:ln>
                 <a:noFill/>
               </a:ln>
@@ -3735,7 +3720,7 @@
               <a:tabLst/>
             </a:pPr>
             <a:r>
-              <a:rPr kumimoji="0" lang="en-US" altLang="en-US" sz="1800" b="0" i="0" u="none" strike="noStrike" cap="none" normalizeH="0" baseline="0" dirty="0" smtClean="0">
+              <a:rPr kumimoji="0" lang="en-US" altLang="en-US" sz="1800" b="0" i="0" u="none" strike="noStrike" cap="none" normalizeH="0" baseline="0" dirty="0">
                 <a:ln>
                   <a:noFill/>
                 </a:ln>
@@ -3748,7 +3733,7 @@
               </a:rPr>
               <a:t> </a:t>
             </a:r>
-            <a:endParaRPr kumimoji="0" lang="en-US" altLang="en-US" sz="1800" b="0" i="0" u="none" strike="noStrike" cap="none" normalizeH="0" baseline="0" dirty="0" smtClean="0">
+            <a:endParaRPr kumimoji="0" lang="en-US" altLang="en-US" sz="1800" b="0" i="0" u="none" strike="noStrike" cap="none" normalizeH="0" baseline="0" dirty="0">
               <a:ln>
                 <a:noFill/>
               </a:ln>
@@ -3776,7 +3761,7 @@
               <a:tabLst/>
             </a:pPr>
             <a:r>
-              <a:rPr kumimoji="0" lang="en-US" altLang="en-US" sz="1800" b="0" i="0" u="none" strike="noStrike" cap="none" normalizeH="0" baseline="0" dirty="0" smtClean="0">
+              <a:rPr kumimoji="0" lang="en-US" altLang="en-US" sz="1800" b="0" i="0" u="none" strike="noStrike" cap="none" normalizeH="0" baseline="0" dirty="0">
                 <a:ln>
                   <a:noFill/>
                 </a:ln>
@@ -3789,7 +3774,7 @@
               </a:rPr>
               <a:t> </a:t>
             </a:r>
-            <a:endParaRPr kumimoji="0" lang="en-US" altLang="en-US" sz="1800" b="0" i="0" u="none" strike="noStrike" cap="none" normalizeH="0" baseline="0" dirty="0" smtClean="0">
+            <a:endParaRPr kumimoji="0" lang="en-US" altLang="en-US" sz="1800" b="0" i="0" u="none" strike="noStrike" cap="none" normalizeH="0" baseline="0" dirty="0">
               <a:ln>
                 <a:noFill/>
               </a:ln>
@@ -3817,7 +3802,7 @@
               <a:tabLst/>
             </a:pPr>
             <a:r>
-              <a:rPr kumimoji="0" lang="en-US" altLang="en-US" sz="1800" b="0" i="0" u="none" strike="noStrike" cap="none" normalizeH="0" baseline="0" dirty="0" smtClean="0">
+              <a:rPr kumimoji="0" lang="en-US" altLang="en-US" sz="1800" b="0" i="0" u="none" strike="noStrike" cap="none" normalizeH="0" baseline="0" dirty="0">
                 <a:ln>
                   <a:noFill/>
                 </a:ln>
@@ -3831,7 +3816,7 @@
               <a:t>the hardware guy </a:t>
             </a:r>
             <a:r>
-              <a:rPr kumimoji="0" lang="en-US" altLang="en-US" sz="1800" b="0" i="0" u="none" strike="noStrike" cap="none" normalizeH="0" baseline="0" dirty="0" smtClean="0">
+              <a:rPr kumimoji="0" lang="en-US" altLang="en-US" sz="1800" b="0" i="0" u="none" strike="noStrike" cap="none" normalizeH="0" baseline="0" dirty="0">
                 <a:ln>
                   <a:noFill/>
                 </a:ln>
@@ -3845,7 +3830,7 @@
               <a:t>à</a:t>
             </a:r>
             <a:r>
-              <a:rPr kumimoji="0" lang="en-US" altLang="en-US" sz="1800" b="0" i="0" u="none" strike="noStrike" cap="none" normalizeH="0" baseline="0" dirty="0" smtClean="0">
+              <a:rPr kumimoji="0" lang="en-US" altLang="en-US" sz="1800" b="0" i="0" u="none" strike="noStrike" cap="none" normalizeH="0" baseline="0" dirty="0">
                 <a:ln>
                   <a:noFill/>
                 </a:ln>
@@ -3859,7 +3844,7 @@
               <a:t> what to do when you cannot see your environment by reimport </a:t>
             </a:r>
             <a:r>
-              <a:rPr kumimoji="0" lang="en-US" altLang="en-US" sz="1800" b="0" i="0" u="none" strike="noStrike" cap="none" normalizeH="0" baseline="0" dirty="0" err="1" smtClean="0">
+              <a:rPr kumimoji="0" lang="en-US" altLang="en-US" sz="1800" b="0" i="0" u="none" strike="noStrike" cap="none" normalizeH="0" baseline="0" dirty="0" err="1">
                 <a:ln>
                   <a:noFill/>
                 </a:ln>
@@ -3872,7 +3857,7 @@
               </a:rPr>
               <a:t>Ipykernel</a:t>
             </a:r>
-            <a:endParaRPr kumimoji="0" lang="en-US" altLang="en-US" sz="1800" b="0" i="0" u="none" strike="noStrike" cap="none" normalizeH="0" baseline="0" dirty="0" smtClean="0">
+            <a:endParaRPr kumimoji="0" lang="en-US" altLang="en-US" sz="1800" b="0" i="0" u="none" strike="noStrike" cap="none" normalizeH="0" baseline="0" dirty="0">
               <a:ln>
                 <a:noFill/>
               </a:ln>
@@ -3900,7 +3885,7 @@
               <a:tabLst/>
             </a:pPr>
             <a:r>
-              <a:rPr kumimoji="0" lang="en-US" altLang="en-US" sz="1800" b="0" i="0" u="none" strike="noStrike" cap="none" normalizeH="0" baseline="0" dirty="0" smtClean="0">
+              <a:rPr kumimoji="0" lang="en-US" altLang="en-US" sz="1800" b="0" i="0" u="none" strike="noStrike" cap="none" normalizeH="0" baseline="0" dirty="0">
                 <a:ln>
                   <a:noFill/>
                 </a:ln>
@@ -3913,7 +3898,7 @@
               </a:rPr>
               <a:t> </a:t>
             </a:r>
-            <a:endParaRPr kumimoji="0" lang="en-US" altLang="en-US" sz="1800" b="0" i="0" u="none" strike="noStrike" cap="none" normalizeH="0" baseline="0" dirty="0" smtClean="0">
+            <a:endParaRPr kumimoji="0" lang="en-US" altLang="en-US" sz="1800" b="0" i="0" u="none" strike="noStrike" cap="none" normalizeH="0" baseline="0" dirty="0">
               <a:ln>
                 <a:noFill/>
               </a:ln>
@@ -3941,7 +3926,7 @@
               <a:tabLst/>
             </a:pPr>
             <a:r>
-              <a:rPr kumimoji="0" lang="en-US" altLang="en-US" sz="1800" b="0" i="0" u="none" strike="noStrike" cap="none" normalizeH="0" baseline="0" dirty="0" smtClean="0">
+              <a:rPr kumimoji="0" lang="en-US" altLang="en-US" sz="1800" b="0" i="0" u="none" strike="noStrike" cap="none" normalizeH="0" baseline="0" dirty="0">
                 <a:ln>
                   <a:noFill/>
                 </a:ln>
@@ -3955,7 +3940,7 @@
               </a:rPr>
               <a:t>https://www.youtube.com/watch?v=6kXLUvsnhuI</a:t>
             </a:r>
-            <a:endParaRPr kumimoji="0" lang="en-US" altLang="en-US" sz="1800" b="0" i="0" u="none" strike="noStrike" cap="none" normalizeH="0" baseline="0" dirty="0" smtClean="0">
+            <a:endParaRPr kumimoji="0" lang="en-US" altLang="en-US" sz="1800" b="0" i="0" u="none" strike="noStrike" cap="none" normalizeH="0" baseline="0" dirty="0">
               <a:ln>
                 <a:noFill/>
               </a:ln>
@@ -3983,7 +3968,7 @@
               <a:tabLst/>
             </a:pPr>
             <a:r>
-              <a:rPr kumimoji="0" lang="en-US" altLang="en-US" sz="1800" b="0" i="0" u="none" strike="noStrike" cap="none" normalizeH="0" baseline="0" dirty="0" smtClean="0">
+              <a:rPr kumimoji="0" lang="en-US" altLang="en-US" sz="1800" b="0" i="0" u="none" strike="noStrike" cap="none" normalizeH="0" baseline="0" dirty="0">
                 <a:ln>
                   <a:noFill/>
                 </a:ln>
@@ -3996,7 +3981,7 @@
               </a:rPr>
               <a:t> </a:t>
             </a:r>
-            <a:endParaRPr kumimoji="0" lang="en-US" altLang="en-US" sz="1800" b="0" i="0" u="none" strike="noStrike" cap="none" normalizeH="0" baseline="0" dirty="0" smtClean="0">
+            <a:endParaRPr kumimoji="0" lang="en-US" altLang="en-US" sz="1800" b="0" i="0" u="none" strike="noStrike" cap="none" normalizeH="0" baseline="0" dirty="0">
               <a:ln>
                 <a:noFill/>
               </a:ln>
@@ -4024,7 +4009,7 @@
               <a:tabLst/>
             </a:pPr>
             <a:r>
-              <a:rPr kumimoji="0" lang="en-US" altLang="en-US" sz="1800" b="0" i="0" u="none" strike="noStrike" cap="none" normalizeH="0" baseline="0" dirty="0" smtClean="0">
+              <a:rPr kumimoji="0" lang="en-US" altLang="en-US" sz="1800" b="0" i="0" u="none" strike="noStrike" cap="none" normalizeH="0" baseline="0" dirty="0">
                 <a:ln>
                   <a:noFill/>
                 </a:ln>
@@ -4037,7 +4022,7 @@
               </a:rPr>
               <a:t> </a:t>
             </a:r>
-            <a:endParaRPr kumimoji="0" lang="en-US" altLang="en-US" sz="1800" b="0" i="0" u="none" strike="noStrike" cap="none" normalizeH="0" baseline="0" dirty="0" smtClean="0">
+            <a:endParaRPr kumimoji="0" lang="en-US" altLang="en-US" sz="1800" b="0" i="0" u="none" strike="noStrike" cap="none" normalizeH="0" baseline="0" dirty="0">
               <a:ln>
                 <a:noFill/>
               </a:ln>
@@ -4065,7 +4050,7 @@
               <a:tabLst/>
             </a:pPr>
             <a:r>
-              <a:rPr kumimoji="0" lang="en-US" altLang="en-US" sz="1800" b="0" i="0" u="none" strike="noStrike" cap="none" normalizeH="0" baseline="0" dirty="0" smtClean="0">
+              <a:rPr kumimoji="0" lang="en-US" altLang="en-US" sz="1800" b="0" i="0" u="none" strike="noStrike" cap="none" normalizeH="0" baseline="0" dirty="0">
                 <a:ln>
                   <a:noFill/>
                 </a:ln>
@@ -4078,7 +4063,7 @@
               </a:rPr>
               <a:t>forecasting</a:t>
             </a:r>
-            <a:endParaRPr kumimoji="0" lang="en-US" altLang="en-US" sz="1800" b="0" i="0" u="none" strike="noStrike" cap="none" normalizeH="0" baseline="0" dirty="0" smtClean="0">
+            <a:endParaRPr kumimoji="0" lang="en-US" altLang="en-US" sz="1800" b="0" i="0" u="none" strike="noStrike" cap="none" normalizeH="0" baseline="0" dirty="0">
               <a:ln>
                 <a:noFill/>
               </a:ln>
@@ -4106,7 +4091,7 @@
               <a:tabLst/>
             </a:pPr>
             <a:r>
-              <a:rPr kumimoji="0" lang="en-US" altLang="en-US" sz="1800" b="0" i="0" u="none" strike="noStrike" cap="none" normalizeH="0" baseline="0" dirty="0" smtClean="0">
+              <a:rPr kumimoji="0" lang="en-US" altLang="en-US" sz="1800" b="0" i="0" u="none" strike="noStrike" cap="none" normalizeH="0" baseline="0" dirty="0">
                 <a:ln>
                   <a:noFill/>
                 </a:ln>
@@ -4120,7 +4105,7 @@
               </a:rPr>
               <a:t>https://www.analyticsvidhya.com/blog/2018/02/time-series-forecasting-methods/</a:t>
             </a:r>
-            <a:endParaRPr kumimoji="0" lang="en-US" altLang="en-US" sz="1800" b="0" i="0" u="none" strike="noStrike" cap="none" normalizeH="0" baseline="0" dirty="0" smtClean="0">
+            <a:endParaRPr kumimoji="0" lang="en-US" altLang="en-US" sz="1800" b="0" i="0" u="none" strike="noStrike" cap="none" normalizeH="0" baseline="0" dirty="0">
               <a:ln>
                 <a:noFill/>
               </a:ln>
@@ -4148,7 +4133,7 @@
               <a:tabLst/>
             </a:pPr>
             <a:r>
-              <a:rPr kumimoji="0" lang="en-US" altLang="en-US" sz="1800" b="0" i="0" u="none" strike="noStrike" cap="none" normalizeH="0" baseline="0" dirty="0" smtClean="0">
+              <a:rPr kumimoji="0" lang="en-US" altLang="en-US" sz="1800" b="0" i="0" u="none" strike="noStrike" cap="none" normalizeH="0" baseline="0" dirty="0">
                 <a:ln>
                   <a:noFill/>
                 </a:ln>
@@ -4161,7 +4146,7 @@
               </a:rPr>
               <a:t> </a:t>
             </a:r>
-            <a:endParaRPr kumimoji="0" lang="en-US" altLang="en-US" sz="1800" b="0" i="0" u="none" strike="noStrike" cap="none" normalizeH="0" baseline="0" dirty="0" smtClean="0">
+            <a:endParaRPr kumimoji="0" lang="en-US" altLang="en-US" sz="1800" b="0" i="0" u="none" strike="noStrike" cap="none" normalizeH="0" baseline="0" dirty="0">
               <a:ln>
                 <a:noFill/>
               </a:ln>
@@ -4189,7 +4174,7 @@
               <a:tabLst/>
             </a:pPr>
             <a:r>
-              <a:rPr kumimoji="0" lang="en-US" altLang="en-US" sz="1800" b="0" i="0" u="none" strike="noStrike" cap="none" normalizeH="0" baseline="0" dirty="0" smtClean="0">
+              <a:rPr kumimoji="0" lang="en-US" altLang="en-US" sz="1800" b="0" i="0" u="none" strike="noStrike" cap="none" normalizeH="0" baseline="0" dirty="0">
                 <a:ln>
                   <a:noFill/>
                 </a:ln>
@@ -4203,7 +4188,7 @@
               </a:rPr>
               <a:t>https://www.machinelearningplus.com/time-series/time-series-analysis-python/</a:t>
             </a:r>
-            <a:endParaRPr kumimoji="0" lang="en-US" altLang="en-US" sz="1800" b="0" i="0" u="none" strike="noStrike" cap="none" normalizeH="0" baseline="0" dirty="0" smtClean="0">
+            <a:endParaRPr kumimoji="0" lang="en-US" altLang="en-US" sz="1800" b="0" i="0" u="none" strike="noStrike" cap="none" normalizeH="0" baseline="0" dirty="0">
               <a:ln>
                 <a:noFill/>
               </a:ln>
@@ -4231,7 +4216,7 @@
               <a:tabLst/>
             </a:pPr>
             <a:r>
-              <a:rPr kumimoji="0" lang="en-US" altLang="en-US" sz="1800" b="0" i="0" u="none" strike="noStrike" cap="none" normalizeH="0" baseline="0" dirty="0" smtClean="0">
+              <a:rPr kumimoji="0" lang="en-US" altLang="en-US" sz="1800" b="0" i="0" u="none" strike="noStrike" cap="none" normalizeH="0" baseline="0" dirty="0">
                 <a:ln>
                   <a:noFill/>
                 </a:ln>
@@ -4244,7 +4229,7 @@
               </a:rPr>
               <a:t> </a:t>
             </a:r>
-            <a:endParaRPr kumimoji="0" lang="en-US" altLang="en-US" sz="1800" b="0" i="0" u="none" strike="noStrike" cap="none" normalizeH="0" baseline="0" dirty="0" smtClean="0">
+            <a:endParaRPr kumimoji="0" lang="en-US" altLang="en-US" sz="1800" b="0" i="0" u="none" strike="noStrike" cap="none" normalizeH="0" baseline="0" dirty="0">
               <a:ln>
                 <a:noFill/>
               </a:ln>
@@ -4272,7 +4257,7 @@
               <a:tabLst/>
             </a:pPr>
             <a:r>
-              <a:rPr kumimoji="0" lang="en-US" altLang="en-US" sz="1800" b="0" i="0" u="none" strike="noStrike" cap="none" normalizeH="0" baseline="0" dirty="0" smtClean="0">
+              <a:rPr kumimoji="0" lang="en-US" altLang="en-US" sz="1800" b="0" i="0" u="none" strike="noStrike" cap="none" normalizeH="0" baseline="0" dirty="0">
                 <a:ln>
                   <a:noFill/>
                 </a:ln>
@@ -4287,7 +4272,7 @@
               <a:t>https://machinelearningmastery.com/arima-for-time-series-forecasting-with-python/</a:t>
             </a:r>
             <a:r>
-              <a:rPr kumimoji="0" lang="en-US" altLang="en-US" sz="1800" b="0" i="0" u="none" strike="noStrike" cap="none" normalizeH="0" baseline="0" dirty="0" smtClean="0">
+              <a:rPr kumimoji="0" lang="en-US" altLang="en-US" sz="1800" b="0" i="0" u="none" strike="noStrike" cap="none" normalizeH="0" baseline="0" dirty="0">
                 <a:ln>
                   <a:noFill/>
                 </a:ln>
@@ -4301,7 +4286,7 @@
               <a:t>  </a:t>
             </a:r>
             <a:r>
-              <a:rPr kumimoji="0" lang="en-US" altLang="en-US" sz="1800" b="0" i="0" u="none" strike="noStrike" cap="none" normalizeH="0" baseline="0" dirty="0" smtClean="0">
+              <a:rPr kumimoji="0" lang="en-US" altLang="en-US" sz="1800" b="0" i="0" u="none" strike="noStrike" cap="none" normalizeH="0" baseline="0" dirty="0">
                 <a:ln>
                   <a:noFill/>
                 </a:ln>
@@ -4315,7 +4300,7 @@
               <a:t>ß</a:t>
             </a:r>
             <a:r>
-              <a:rPr kumimoji="0" lang="en-US" altLang="en-US" sz="1800" b="0" i="0" u="none" strike="noStrike" cap="none" normalizeH="0" baseline="0" dirty="0" smtClean="0">
+              <a:rPr kumimoji="0" lang="en-US" altLang="en-US" sz="1800" b="0" i="0" u="none" strike="noStrike" cap="none" normalizeH="0" baseline="0" dirty="0">
                 <a:ln>
                   <a:noFill/>
                 </a:ln>
@@ -4329,7 +4314,7 @@
               <a:t> interesting alternative to </a:t>
             </a:r>
             <a:r>
-              <a:rPr kumimoji="0" lang="en-US" altLang="en-US" sz="1800" b="0" i="0" u="none" strike="noStrike" cap="none" normalizeH="0" baseline="0" dirty="0" err="1" smtClean="0">
+              <a:rPr kumimoji="0" lang="en-US" altLang="en-US" sz="1800" b="0" i="0" u="none" strike="noStrike" cap="none" normalizeH="0" baseline="0" dirty="0" err="1">
                 <a:ln>
                   <a:noFill/>
                 </a:ln>
@@ -4342,7 +4327,7 @@
               </a:rPr>
               <a:t>Portilla</a:t>
             </a:r>
-            <a:endParaRPr kumimoji="0" lang="en-US" altLang="en-US" sz="1800" b="0" i="0" u="none" strike="noStrike" cap="none" normalizeH="0" baseline="0" dirty="0" smtClean="0">
+            <a:endParaRPr kumimoji="0" lang="en-US" altLang="en-US" sz="1800" b="0" i="0" u="none" strike="noStrike" cap="none" normalizeH="0" baseline="0" dirty="0">
               <a:ln>
                 <a:noFill/>
               </a:ln>
@@ -4370,7 +4355,7 @@
               <a:tabLst/>
             </a:pPr>
             <a:r>
-              <a:rPr kumimoji="0" lang="en-US" altLang="en-US" sz="1800" b="0" i="0" u="none" strike="noStrike" cap="none" normalizeH="0" baseline="0" dirty="0" smtClean="0">
+              <a:rPr kumimoji="0" lang="en-US" altLang="en-US" sz="1800" b="0" i="0" u="none" strike="noStrike" cap="none" normalizeH="0" baseline="0" dirty="0">
                 <a:ln>
                   <a:noFill/>
                 </a:ln>
@@ -4383,7 +4368,7 @@
               </a:rPr>
               <a:t> </a:t>
             </a:r>
-            <a:endParaRPr kumimoji="0" lang="en-US" altLang="en-US" sz="1800" b="0" i="0" u="none" strike="noStrike" cap="none" normalizeH="0" baseline="0" dirty="0" smtClean="0">
+            <a:endParaRPr kumimoji="0" lang="en-US" altLang="en-US" sz="1800" b="0" i="0" u="none" strike="noStrike" cap="none" normalizeH="0" baseline="0" dirty="0">
               <a:ln>
                 <a:noFill/>
               </a:ln>
@@ -4411,7 +4396,7 @@
               <a:tabLst/>
             </a:pPr>
             <a:r>
-              <a:rPr kumimoji="0" lang="en-US" altLang="en-US" sz="1800" b="0" i="0" u="none" strike="noStrike" cap="none" normalizeH="0" baseline="0" dirty="0" smtClean="0">
+              <a:rPr kumimoji="0" lang="en-US" altLang="en-US" sz="1800" b="0" i="0" u="none" strike="noStrike" cap="none" normalizeH="0" baseline="0" dirty="0">
                 <a:ln>
                   <a:noFill/>
                 </a:ln>
@@ -4425,7 +4410,7 @@
               </a:rPr>
               <a:t>https://machinelearningmastery.com/time-series-forecasting-methods-in-python-cheat-sheet/</a:t>
             </a:r>
-            <a:endParaRPr kumimoji="0" lang="en-US" altLang="en-US" sz="1800" b="0" i="0" u="none" strike="noStrike" cap="none" normalizeH="0" baseline="0" dirty="0" smtClean="0">
+            <a:endParaRPr kumimoji="0" lang="en-US" altLang="en-US" sz="1800" b="0" i="0" u="none" strike="noStrike" cap="none" normalizeH="0" baseline="0" dirty="0">
               <a:ln>
                 <a:noFill/>
               </a:ln>
@@ -4489,51 +4474,51 @@
           <a:lstStyle/>
           <a:p>
             <a:r>
-              <a:rPr lang="en-US" dirty="0" smtClean="0"/>
+              <a:rPr lang="en-US" dirty="0"/>
               <a:t>Option to </a:t>
             </a:r>
             <a:r>
-              <a:rPr lang="en-US" dirty="0" err="1" smtClean="0"/>
+              <a:rPr lang="en-US" dirty="0" err="1"/>
               <a:t>autoarima</a:t>
             </a:r>
-            <a:endParaRPr lang="en-US" dirty="0" smtClean="0"/>
-          </a:p>
-          <a:p>
-            <a:r>
-              <a:rPr lang="en-US" dirty="0" smtClean="0">
+            <a:endParaRPr lang="en-US" dirty="0"/>
+          </a:p>
+          <a:p>
+            <a:r>
+              <a:rPr lang="en-US" dirty="0">
                 <a:hlinkClick r:id="rId2"/>
               </a:rPr>
               <a:t>https://machinelearningmastery.com/grid-search-arima-hyperparameters-with-python/</a:t>
             </a:r>
-            <a:endParaRPr lang="en-US" dirty="0" smtClean="0"/>
-          </a:p>
-          <a:p>
             <a:endParaRPr lang="en-US" dirty="0"/>
           </a:p>
           <a:p>
-            <a:r>
-              <a:rPr lang="en-US" dirty="0" smtClean="0"/>
+            <a:endParaRPr lang="en-US" dirty="0"/>
+          </a:p>
+          <a:p>
+            <a:r>
+              <a:rPr lang="en-US" dirty="0"/>
               <a:t>Guide to handle environments</a:t>
             </a:r>
           </a:p>
           <a:p>
             <a:r>
-              <a:rPr lang="en-US" dirty="0" smtClean="0">
+              <a:rPr lang="en-US" dirty="0">
                 <a:hlinkClick r:id="rId3"/>
               </a:rPr>
               <a:t>https://towardsdatascience.com/a-guide-to-conda-environments-bc6180fc533</a:t>
             </a:r>
-            <a:endParaRPr lang="en-US" dirty="0" smtClean="0"/>
-          </a:p>
-          <a:p>
-            <a:r>
-              <a:rPr lang="en-US" dirty="0" smtClean="0"/>
+            <a:endParaRPr lang="en-US" dirty="0"/>
+          </a:p>
+          <a:p>
+            <a:r>
+              <a:rPr lang="en-US" dirty="0"/>
               <a:t>Video about ARIMA</a:t>
             </a:r>
           </a:p>
           <a:p>
             <a:r>
-              <a:rPr lang="en-US" smtClean="0">
+              <a:rPr lang="en-US">
                 <a:hlinkClick r:id="rId4"/>
               </a:rPr>
               <a:t>https://www.youtube.com/watch?v=D9y6dcy0xK8</a:t>
@@ -4546,6 +4531,101 @@
     <p:extLst>
       <p:ext uri="{BB962C8B-B14F-4D97-AF65-F5344CB8AC3E}">
         <p14:creationId xmlns:p14="http://schemas.microsoft.com/office/powerpoint/2010/main" val="842876060"/>
+      </p:ext>
+    </p:extLst>
+  </p:cSld>
+  <p:clrMapOvr>
+    <a:masterClrMapping/>
+  </p:clrMapOvr>
+</p:sld>
+</file>
+
+<file path=ppt/slides/slide5.xml><?xml version="1.0" encoding="utf-8"?>
+<p:sld xmlns:a="http://schemas.openxmlformats.org/drawingml/2006/main" xmlns:r="http://schemas.openxmlformats.org/officeDocument/2006/relationships" xmlns:p="http://schemas.openxmlformats.org/presentationml/2006/main">
+  <p:cSld>
+    <p:spTree>
+      <p:nvGrpSpPr>
+        <p:cNvPr id="1" name=""/>
+        <p:cNvGrpSpPr/>
+        <p:nvPr/>
+      </p:nvGrpSpPr>
+      <p:grpSpPr>
+        <a:xfrm>
+          <a:off x="0" y="0"/>
+          <a:ext cx="0" cy="0"/>
+          <a:chOff x="0" y="0"/>
+          <a:chExt cx="0" cy="0"/>
+        </a:xfrm>
+      </p:grpSpPr>
+      <p:sp>
+        <p:nvSpPr>
+          <p:cNvPr id="2" name="TextBox 1">
+            <a:extLst>
+              <a:ext uri="{FF2B5EF4-FFF2-40B4-BE49-F238E27FC236}">
+                <a16:creationId xmlns:a16="http://schemas.microsoft.com/office/drawing/2014/main" id="{4FB9E08B-C29F-48E1-9DD3-324FF03BDB75}"/>
+              </a:ext>
+            </a:extLst>
+          </p:cNvPr>
+          <p:cNvSpPr txBox="1"/>
+          <p:nvPr/>
+        </p:nvSpPr>
+        <p:spPr>
+          <a:xfrm>
+            <a:off x="1037062" y="379141"/>
+            <a:ext cx="5787483" cy="369332"/>
+          </a:xfrm>
+          <a:prstGeom prst="rect">
+            <a:avLst/>
+          </a:prstGeom>
+          <a:noFill/>
+        </p:spPr>
+        <p:txBody>
+          <a:bodyPr wrap="square" rtlCol="0">
+            <a:spAutoFit/>
+          </a:bodyPr>
+          <a:lstStyle/>
+          <a:p>
+            <a:r>
+              <a:rPr lang="en-US" dirty="0"/>
+              <a:t>Changing Kernels in Jupiter Notebook</a:t>
+            </a:r>
+          </a:p>
+        </p:txBody>
+      </p:sp>
+      <p:pic>
+        <p:nvPicPr>
+          <p:cNvPr id="3" name="Picture 2">
+            <a:extLst>
+              <a:ext uri="{FF2B5EF4-FFF2-40B4-BE49-F238E27FC236}">
+                <a16:creationId xmlns:a16="http://schemas.microsoft.com/office/drawing/2014/main" id="{430F4001-2B38-40CF-B58B-1C4051B3AC4D}"/>
+              </a:ext>
+            </a:extLst>
+          </p:cNvPr>
+          <p:cNvPicPr>
+            <a:picLocks noChangeAspect="1"/>
+          </p:cNvPicPr>
+          <p:nvPr/>
+        </p:nvPicPr>
+        <p:blipFill>
+          <a:blip r:embed="rId2"/>
+          <a:stretch>
+            <a:fillRect/>
+          </a:stretch>
+        </p:blipFill>
+        <p:spPr>
+          <a:xfrm>
+            <a:off x="820353" y="1011509"/>
+            <a:ext cx="6915150" cy="5467350"/>
+          </a:xfrm>
+          <a:prstGeom prst="rect">
+            <a:avLst/>
+          </a:prstGeom>
+        </p:spPr>
+      </p:pic>
+    </p:spTree>
+    <p:extLst>
+      <p:ext uri="{BB962C8B-B14F-4D97-AF65-F5344CB8AC3E}">
+        <p14:creationId xmlns:p14="http://schemas.microsoft.com/office/powerpoint/2010/main" val="1976524651"/>
       </p:ext>
     </p:extLst>
   </p:cSld>
